--- a/doc/a tour of OpenGL.pptx
+++ b/doc/a tour of OpenGL.pptx
@@ -5,20 +5,20 @@
     <p:sldMasterId id="2147483648" r:id="rId1"/>
   </p:sldMasterIdLst>
   <p:notesMasterIdLst>
-    <p:notesMasterId r:id="rId11"/>
+    <p:notesMasterId r:id="rId13"/>
   </p:notesMasterIdLst>
   <p:sldIdLst>
-    <p:sldId id="268" r:id="rId3"/>
-    <p:sldId id="303" r:id="rId4"/>
-    <p:sldId id="269" r:id="rId5"/>
-    <p:sldId id="298" r:id="rId6"/>
-    <p:sldId id="297" r:id="rId7"/>
-    <p:sldId id="270" r:id="rId8"/>
-    <p:sldId id="299" r:id="rId9"/>
-    <p:sldId id="302" r:id="rId10"/>
-    <p:sldId id="275" r:id="rId12"/>
-    <p:sldId id="301" r:id="rId13"/>
-    <p:sldId id="296" r:id="rId14"/>
+    <p:sldId id="268" r:id="rId2"/>
+    <p:sldId id="303" r:id="rId3"/>
+    <p:sldId id="269" r:id="rId4"/>
+    <p:sldId id="298" r:id="rId5"/>
+    <p:sldId id="297" r:id="rId6"/>
+    <p:sldId id="270" r:id="rId7"/>
+    <p:sldId id="299" r:id="rId8"/>
+    <p:sldId id="302" r:id="rId9"/>
+    <p:sldId id="275" r:id="rId10"/>
+    <p:sldId id="301" r:id="rId11"/>
+    <p:sldId id="296" r:id="rId12"/>
   </p:sldIdLst>
   <p:sldSz cx="13004800" cy="9753600"/>
   <p:notesSz cx="13004800" cy="9753600"/>
@@ -117,6 +117,22 @@
       </a:defRPr>
     </a:lvl9pPr>
   </p:defaultTextStyle>
+  <p:extLst>
+    <p:ext uri="{EFAFB233-063F-42B5-8137-9DF3F51BA10A}">
+      <p15:sldGuideLst xmlns:p15="http://schemas.microsoft.com/office/powerpoint/2012/main">
+        <p15:guide id="1" orient="horz" pos="2880">
+          <p15:clr>
+            <a:srgbClr val="A4A3A4"/>
+          </p15:clr>
+        </p15:guide>
+        <p15:guide id="2" pos="2160">
+          <p15:clr>
+            <a:srgbClr val="A4A3A4"/>
+          </p15:clr>
+        </p15:guide>
+      </p15:sldGuideLst>
+    </p:ext>
+  </p:extLst>
 </p:presentation>
 </file>
 
@@ -202,6 +218,7 @@
           <a:p>
             <a:fld id="{5A525BDA-8426-4487-B303-A5C50C63563D}" type="datetimeFigureOut">
               <a:rPr lang="zh-CN" altLang="en-US" smtClean="0"/>
+              <a:t>2022/10/8</a:t>
             </a:fld>
             <a:endParaRPr lang="zh-CN" altLang="en-US"/>
           </a:p>
@@ -268,7 +285,6 @@
               <a:rPr lang="zh-CN" altLang="en-US"/>
               <a:t>单击此处编辑母版文本样式</a:t>
             </a:r>
-            <a:endParaRPr lang="zh-CN" altLang="en-US"/>
           </a:p>
           <a:p>
             <a:pPr lvl="1"/>
@@ -276,7 +292,6 @@
               <a:rPr lang="zh-CN" altLang="en-US"/>
               <a:t>二级</a:t>
             </a:r>
-            <a:endParaRPr lang="zh-CN" altLang="en-US"/>
           </a:p>
           <a:p>
             <a:pPr lvl="2"/>
@@ -284,7 +299,6 @@
               <a:rPr lang="zh-CN" altLang="en-US"/>
               <a:t>三级</a:t>
             </a:r>
-            <a:endParaRPr lang="zh-CN" altLang="en-US"/>
           </a:p>
           <a:p>
             <a:pPr lvl="3"/>
@@ -292,7 +306,6 @@
               <a:rPr lang="zh-CN" altLang="en-US"/>
               <a:t>四级</a:t>
             </a:r>
-            <a:endParaRPr lang="zh-CN" altLang="en-US"/>
           </a:p>
           <a:p>
             <a:pPr lvl="4"/>
@@ -300,7 +313,6 @@
               <a:rPr lang="zh-CN" altLang="en-US"/>
               <a:t>五级</a:t>
             </a:r>
-            <a:endParaRPr lang="zh-CN" altLang="en-US"/>
           </a:p>
         </p:txBody>
       </p:sp>
@@ -364,6 +376,7 @@
           <a:p>
             <a:fld id="{6C0C1D05-5E9B-466A-B95E-A7A5B8F31ACB}" type="slidenum">
               <a:rPr lang="zh-CN" altLang="en-US" smtClean="0"/>
+              <a:t>‹#›</a:t>
             </a:fld>
             <a:endParaRPr lang="zh-CN" altLang="en-US"/>
           </a:p>
@@ -532,6 +545,7 @@
           <a:p>
             <a:fld id="{6C0C1D05-5E9B-466A-B95E-A7A5B8F31ACB}" type="slidenum">
               <a:rPr lang="zh-CN" altLang="en-US" smtClean="0"/>
+              <a:t>8</a:t>
             </a:fld>
             <a:endParaRPr lang="zh-CN" altLang="en-US"/>
           </a:p>
@@ -590,7 +604,9 @@
               <a:defRPr/>
             </a:lvl1pPr>
           </a:lstStyle>
-          <a:p/>
+          <a:p>
+            <a:endParaRPr/>
+          </a:p>
         </p:txBody>
       </p:sp>
       <p:sp>
@@ -621,7 +637,9 @@
               <a:defRPr/>
             </a:lvl1pPr>
           </a:lstStyle>
-          <a:p/>
+          <a:p>
+            <a:endParaRPr/>
+          </a:p>
         </p:txBody>
       </p:sp>
       <p:sp>
@@ -661,7 +679,6 @@
               <a:rPr spc="-20" dirty="0"/>
               <a:t>GAMES202</a:t>
             </a:r>
-            <a:endParaRPr spc="-20" dirty="0"/>
           </a:p>
         </p:txBody>
       </p:sp>
@@ -730,7 +747,6 @@
               <a:rPr spc="-5" dirty="0"/>
               <a:t> Barbara</a:t>
             </a:r>
-            <a:endParaRPr spc="-5" dirty="0"/>
           </a:p>
         </p:txBody>
       </p:sp>
@@ -769,6 +785,7 @@
             </a:pPr>
             <a:fld id="{81D60167-4931-47E6-BA6A-407CBD079E47}" type="slidenum">
               <a:rPr spc="-5" dirty="0"/>
+              <a:t>‹#›</a:t>
             </a:fld>
             <a:endParaRPr spc="-5" dirty="0"/>
           </a:p>
@@ -823,7 +840,9 @@
               </a:defRPr>
             </a:lvl1pPr>
           </a:lstStyle>
-          <a:p/>
+          <a:p>
+            <a:endParaRPr/>
+          </a:p>
         </p:txBody>
       </p:sp>
       <p:sp>
@@ -850,7 +869,9 @@
               </a:defRPr>
             </a:lvl1pPr>
           </a:lstStyle>
-          <a:p/>
+          <a:p>
+            <a:endParaRPr/>
+          </a:p>
         </p:txBody>
       </p:sp>
       <p:sp>
@@ -890,7 +911,6 @@
               <a:rPr spc="-20" dirty="0"/>
               <a:t>GAMES202</a:t>
             </a:r>
-            <a:endParaRPr spc="-20" dirty="0"/>
           </a:p>
         </p:txBody>
       </p:sp>
@@ -959,7 +979,6 @@
               <a:rPr spc="-5" dirty="0"/>
               <a:t> Barbara</a:t>
             </a:r>
-            <a:endParaRPr spc="-5" dirty="0"/>
           </a:p>
         </p:txBody>
       </p:sp>
@@ -998,6 +1017,7 @@
             </a:pPr>
             <a:fld id="{81D60167-4931-47E6-BA6A-407CBD079E47}" type="slidenum">
               <a:rPr spc="-5" dirty="0"/>
+              <a:t>‹#›</a:t>
             </a:fld>
             <a:endParaRPr spc="-5" dirty="0"/>
           </a:p>
@@ -1052,7 +1072,9 @@
               </a:defRPr>
             </a:lvl1pPr>
           </a:lstStyle>
-          <a:p/>
+          <a:p>
+            <a:endParaRPr/>
+          </a:p>
         </p:txBody>
       </p:sp>
       <p:sp>
@@ -1083,7 +1105,9 @@
               <a:defRPr/>
             </a:lvl1pPr>
           </a:lstStyle>
-          <a:p/>
+          <a:p>
+            <a:endParaRPr/>
+          </a:p>
         </p:txBody>
       </p:sp>
       <p:sp>
@@ -1114,7 +1138,9 @@
               <a:defRPr/>
             </a:lvl1pPr>
           </a:lstStyle>
-          <a:p/>
+          <a:p>
+            <a:endParaRPr/>
+          </a:p>
         </p:txBody>
       </p:sp>
       <p:sp>
@@ -1154,7 +1180,6 @@
               <a:rPr spc="-20" dirty="0"/>
               <a:t>GAMES202</a:t>
             </a:r>
-            <a:endParaRPr spc="-20" dirty="0"/>
           </a:p>
         </p:txBody>
       </p:sp>
@@ -1223,7 +1248,6 @@
               <a:rPr spc="-5" dirty="0"/>
               <a:t> Barbara</a:t>
             </a:r>
-            <a:endParaRPr spc="-5" dirty="0"/>
           </a:p>
         </p:txBody>
       </p:sp>
@@ -1262,6 +1286,7 @@
             </a:pPr>
             <a:fld id="{81D60167-4931-47E6-BA6A-407CBD079E47}" type="slidenum">
               <a:rPr spc="-5" dirty="0"/>
+              <a:t>‹#›</a:t>
             </a:fld>
             <a:endParaRPr spc="-5" dirty="0"/>
           </a:p>
@@ -1316,7 +1341,9 @@
               </a:defRPr>
             </a:lvl1pPr>
           </a:lstStyle>
-          <a:p/>
+          <a:p>
+            <a:endParaRPr/>
+          </a:p>
         </p:txBody>
       </p:sp>
       <p:sp>
@@ -1356,7 +1383,6 @@
               <a:rPr spc="-20" dirty="0"/>
               <a:t>GAMES202</a:t>
             </a:r>
-            <a:endParaRPr spc="-20" dirty="0"/>
           </a:p>
         </p:txBody>
       </p:sp>
@@ -1425,7 +1451,6 @@
               <a:rPr spc="-5" dirty="0"/>
               <a:t> Barbara</a:t>
             </a:r>
-            <a:endParaRPr spc="-5" dirty="0"/>
           </a:p>
         </p:txBody>
       </p:sp>
@@ -1464,6 +1489,7 @@
             </a:pPr>
             <a:fld id="{81D60167-4931-47E6-BA6A-407CBD079E47}" type="slidenum">
               <a:rPr spc="-5" dirty="0"/>
+              <a:t>‹#›</a:t>
             </a:fld>
             <a:endParaRPr spc="-5" dirty="0"/>
           </a:p>
@@ -1531,7 +1557,6 @@
               <a:rPr spc="-20" dirty="0"/>
               <a:t>GAMES202</a:t>
             </a:r>
-            <a:endParaRPr spc="-20" dirty="0"/>
           </a:p>
         </p:txBody>
       </p:sp>
@@ -1600,7 +1625,6 @@
               <a:rPr spc="-5" dirty="0"/>
               <a:t> Barbara</a:t>
             </a:r>
-            <a:endParaRPr spc="-5" dirty="0"/>
           </a:p>
         </p:txBody>
       </p:sp>
@@ -1639,6 +1663,7 @@
             </a:pPr>
             <a:fld id="{81D60167-4931-47E6-BA6A-407CBD079E47}" type="slidenum">
               <a:rPr spc="-5" dirty="0"/>
+              <a:t>‹#›</a:t>
             </a:fld>
             <a:endParaRPr spc="-5" dirty="0"/>
           </a:p>
@@ -1722,7 +1747,9 @@
         <p:txBody>
           <a:bodyPr wrap="square" lIns="0" tIns="0" rIns="0" bIns="0" rtlCol="0"/>
           <a:lstStyle/>
-          <a:p/>
+          <a:p>
+            <a:endParaRPr/>
+          </a:p>
         </p:txBody>
       </p:sp>
       <p:sp>
@@ -1759,7 +1786,9 @@
               </a:defRPr>
             </a:lvl1pPr>
           </a:lstStyle>
-          <a:p/>
+          <a:p>
+            <a:endParaRPr/>
+          </a:p>
         </p:txBody>
       </p:sp>
       <p:sp>
@@ -1796,7 +1825,9 @@
               </a:defRPr>
             </a:lvl1pPr>
           </a:lstStyle>
-          <a:p/>
+          <a:p>
+            <a:endParaRPr/>
+          </a:p>
         </p:txBody>
       </p:sp>
       <p:sp>
@@ -1846,7 +1877,6 @@
               <a:rPr spc="-20" dirty="0"/>
               <a:t>GAMES202</a:t>
             </a:r>
-            <a:endParaRPr spc="-20" dirty="0"/>
           </a:p>
         </p:txBody>
       </p:sp>
@@ -1925,7 +1955,6 @@
               <a:rPr spc="-5" dirty="0"/>
               <a:t> Barbara</a:t>
             </a:r>
-            <a:endParaRPr spc="-5" dirty="0"/>
           </a:p>
         </p:txBody>
       </p:sp>
@@ -1974,6 +2003,7 @@
             </a:pPr>
             <a:fld id="{81D60167-4931-47E6-BA6A-407CBD079E47}" type="slidenum">
               <a:rPr spc="-5" dirty="0"/>
+              <a:t>‹#›</a:t>
             </a:fld>
             <a:endParaRPr spc="-5" dirty="0"/>
           </a:p>
@@ -2203,7 +2233,6 @@
               <a:rPr spc="70" dirty="0"/>
               <a:t>OpenGL</a:t>
             </a:r>
-            <a:endParaRPr spc="70" dirty="0"/>
           </a:p>
         </p:txBody>
       </p:sp>
@@ -2317,13 +2346,6 @@
               </a:rPr>
               <a:t>Games 202</a:t>
             </a:r>
-            <a:endParaRPr lang="en-US" sz="3200" b="1" dirty="0">
-              <a:solidFill>
-                <a:schemeClr val="bg1"/>
-              </a:solidFill>
-              <a:latin typeface="Arial" panose="020B0604020202020204"/>
-              <a:cs typeface="Arial" panose="020B0604020202020204"/>
-            </a:endParaRPr>
           </a:p>
           <a:p>
             <a:pPr marL="914400" lvl="1" indent="-444500">
@@ -2344,7 +2366,7 @@
                     <a:lumOff val="40000"/>
                   </a:schemeClr>
                 </a:solidFill>
-                <a:hlinkClick r:id="rId1"/>
+                <a:hlinkClick r:id="rId2"/>
               </a:rPr>
               <a:t>GAMES202-</a:t>
             </a:r>
@@ -2356,7 +2378,7 @@
                     <a:lumOff val="40000"/>
                   </a:schemeClr>
                 </a:solidFill>
-                <a:hlinkClick r:id="rId1"/>
+                <a:hlinkClick r:id="rId2"/>
               </a:rPr>
               <a:t>高质量实时渲染</a:t>
             </a:r>
@@ -2485,13 +2507,6 @@
               </a:rPr>
               <a:t>earning OpenGL</a:t>
             </a:r>
-            <a:endParaRPr lang="en-US" altLang="zh-CN" sz="3200" spc="45" dirty="0">
-              <a:solidFill>
-                <a:srgbClr val="FFFFFF"/>
-              </a:solidFill>
-              <a:latin typeface="Arial" panose="020B0604020202020204"/>
-              <a:cs typeface="Arial" panose="020B0604020202020204"/>
-            </a:endParaRPr>
           </a:p>
           <a:p>
             <a:pPr marL="939800" marR="30480" lvl="1" indent="-444500">
@@ -2515,7 +2530,7 @@
                     <a:lumOff val="40000"/>
                   </a:schemeClr>
                 </a:solidFill>
-                <a:hlinkClick r:id="rId2"/>
+                <a:hlinkClick r:id="rId3"/>
               </a:rPr>
               <a:t>LearnOpenGL</a:t>
             </a:r>
@@ -2527,7 +2542,7 @@
                     <a:lumOff val="40000"/>
                   </a:schemeClr>
                 </a:solidFill>
-                <a:hlinkClick r:id="rId2"/>
+                <a:hlinkClick r:id="rId3"/>
               </a:rPr>
               <a:t> CN (learnopengl-cn.github.io)</a:t>
             </a:r>
@@ -2628,7 +2643,7 @@
                     <a:lumOff val="40000"/>
                   </a:schemeClr>
                 </a:solidFill>
-                <a:hlinkClick r:id="rId3"/>
+                <a:hlinkClick r:id="rId4"/>
               </a:rPr>
               <a:t>上帝视角看</a:t>
             </a:r>
@@ -2640,7 +2655,7 @@
                     <a:lumOff val="40000"/>
                   </a:schemeClr>
                 </a:solidFill>
-                <a:hlinkClick r:id="rId3"/>
+                <a:hlinkClick r:id="rId4"/>
               </a:rPr>
               <a:t>GPU</a:t>
             </a:r>
@@ -2652,7 +2667,7 @@
                     <a:lumOff val="40000"/>
                   </a:schemeClr>
                 </a:solidFill>
-                <a:hlinkClick r:id="rId3"/>
+                <a:hlinkClick r:id="rId4"/>
               </a:rPr>
               <a:t>（</a:t>
             </a:r>
@@ -2664,7 +2679,7 @@
                     <a:lumOff val="40000"/>
                   </a:schemeClr>
                 </a:solidFill>
-                <a:hlinkClick r:id="rId3"/>
+                <a:hlinkClick r:id="rId4"/>
               </a:rPr>
               <a:t>1</a:t>
             </a:r>
@@ -2676,7 +2691,7 @@
                     <a:lumOff val="40000"/>
                   </a:schemeClr>
                 </a:solidFill>
-                <a:hlinkClick r:id="rId3"/>
+                <a:hlinkClick r:id="rId4"/>
               </a:rPr>
               <a:t>）：图形流水线基础</a:t>
             </a:r>
@@ -2711,7 +2726,7 @@
                     <a:lumOff val="40000"/>
                   </a:schemeClr>
                 </a:solidFill>
-                <a:hlinkClick r:id="rId4"/>
+                <a:hlinkClick r:id="rId5"/>
               </a:rPr>
               <a:t>上帝视角看</a:t>
             </a:r>
@@ -2723,7 +2738,7 @@
                     <a:lumOff val="40000"/>
                   </a:schemeClr>
                 </a:solidFill>
-                <a:hlinkClick r:id="rId4"/>
+                <a:hlinkClick r:id="rId5"/>
               </a:rPr>
               <a:t>GPU</a:t>
             </a:r>
@@ -2735,7 +2750,7 @@
                     <a:lumOff val="40000"/>
                   </a:schemeClr>
                 </a:solidFill>
-                <a:hlinkClick r:id="rId4"/>
+                <a:hlinkClick r:id="rId5"/>
               </a:rPr>
               <a:t>（</a:t>
             </a:r>
@@ -2747,7 +2762,7 @@
                     <a:lumOff val="40000"/>
                   </a:schemeClr>
                 </a:solidFill>
-                <a:hlinkClick r:id="rId4"/>
+                <a:hlinkClick r:id="rId5"/>
               </a:rPr>
               <a:t>4</a:t>
             </a:r>
@@ -2759,7 +2774,7 @@
                     <a:lumOff val="40000"/>
                   </a:schemeClr>
                 </a:solidFill>
-                <a:hlinkClick r:id="rId4"/>
+                <a:hlinkClick r:id="rId5"/>
               </a:rPr>
               <a:t>）：完整的软件栈</a:t>
             </a:r>
@@ -2785,7 +2800,7 @@
           <p:nvPr/>
         </p:nvPicPr>
         <p:blipFill>
-          <a:blip r:embed="rId5"/>
+          <a:blip r:embed="rId6"/>
           <a:stretch>
             <a:fillRect/>
           </a:stretch>
@@ -2809,7 +2824,7 @@
           <p:nvPr/>
         </p:nvPicPr>
         <p:blipFill>
-          <a:blip r:embed="rId6"/>
+          <a:blip r:embed="rId7"/>
           <a:stretch>
             <a:fillRect/>
           </a:stretch>
@@ -2894,7 +2909,6 @@
               <a:rPr spc="145" dirty="0"/>
               <a:t>you!</a:t>
             </a:r>
-            <a:endParaRPr spc="145" dirty="0"/>
           </a:p>
         </p:txBody>
       </p:sp>
@@ -2960,7 +2974,6 @@
               <a:rPr sz="6600" spc="70" dirty="0"/>
               <a:t>OpenGL</a:t>
             </a:r>
-            <a:endParaRPr sz="6600" spc="70" dirty="0"/>
           </a:p>
         </p:txBody>
       </p:sp>
@@ -3699,7 +3712,6 @@
               <a:rPr lang="en-US" altLang="zh-CN" b="1" dirty="0"/>
               <a:t>OpenGL UMD</a:t>
             </a:r>
-            <a:endParaRPr lang="en-US" altLang="zh-CN" b="1" dirty="0"/>
           </a:p>
           <a:p>
             <a:pPr algn="ctr"/>
@@ -3776,7 +3788,6 @@
               <a:rPr lang="en-US" altLang="zh-CN" b="1" dirty="0"/>
               <a:t>User </a:t>
             </a:r>
-            <a:endParaRPr lang="en-US" altLang="zh-CN" b="1" dirty="0"/>
           </a:p>
           <a:p>
             <a:r>
@@ -4083,7 +4094,7 @@
           <p:nvPr/>
         </p:nvPicPr>
         <p:blipFill>
-          <a:blip r:embed="rId1"/>
+          <a:blip r:embed="rId2"/>
           <a:stretch>
             <a:fillRect/>
           </a:stretch>
@@ -4737,13 +4748,6 @@
               </a:rPr>
               <a:t>specification</a:t>
             </a:r>
-            <a:endParaRPr lang="en-US" altLang="zh-CN" sz="2600" spc="-40" dirty="0">
-              <a:solidFill>
-                <a:srgbClr val="FFFFFF"/>
-              </a:solidFill>
-              <a:latin typeface="Arial" panose="020B0604020202020204"/>
-              <a:cs typeface="Arial" panose="020B0604020202020204"/>
-            </a:endParaRPr>
           </a:p>
           <a:p>
             <a:pPr marL="1562100" lvl="2" indent="-457200">
@@ -4917,13 +4921,6 @@
               </a:rPr>
               <a:t>transformation</a:t>
             </a:r>
-            <a:endParaRPr lang="en-US" altLang="zh-CN" sz="2600" spc="-40" dirty="0">
-              <a:solidFill>
-                <a:srgbClr val="FFFFFF"/>
-              </a:solidFill>
-              <a:latin typeface="Arial" panose="020B0604020202020204"/>
-              <a:cs typeface="Arial" panose="020B0604020202020204"/>
-            </a:endParaRPr>
           </a:p>
           <a:p>
             <a:pPr marL="1562100" lvl="2" indent="-457200">
@@ -4947,13 +4944,6 @@
               </a:rPr>
               <a:t>To hold a canvas</a:t>
             </a:r>
-            <a:endParaRPr lang="en-US" altLang="zh-CN" sz="2600" spc="-40" dirty="0">
-              <a:solidFill>
-                <a:srgbClr val="FFFFFF"/>
-              </a:solidFill>
-              <a:latin typeface="Arial" panose="020B0604020202020204"/>
-              <a:cs typeface="Arial" panose="020B0604020202020204"/>
-            </a:endParaRPr>
           </a:p>
           <a:p>
             <a:pPr marL="1104900" lvl="1" indent="-457200">
@@ -5246,7 +5236,7 @@
           <p:nvPr/>
         </p:nvPicPr>
         <p:blipFill rotWithShape="1">
-          <a:blip r:embed="rId1"/>
+          <a:blip r:embed="rId2"/>
           <a:srcRect l="-505" t="55" r="7197" b="-55"/>
           <a:stretch>
             <a:fillRect/>
@@ -5549,13 +5539,6 @@
               </a:rPr>
               <a:t>Setup a framebuffer</a:t>
             </a:r>
-            <a:endParaRPr lang="en-US" altLang="zh-CN" sz="2600" spc="-40" dirty="0">
-              <a:solidFill>
-                <a:srgbClr val="FFFFFF"/>
-              </a:solidFill>
-              <a:latin typeface="Arial" panose="020B0604020202020204"/>
-              <a:cs typeface="Arial" panose="020B0604020202020204"/>
-            </a:endParaRPr>
           </a:p>
           <a:p>
             <a:pPr marL="1104900" lvl="1" indent="-457200">
@@ -5832,13 +5815,6 @@
               </a:rPr>
               <a:t>Use a shader program</a:t>
             </a:r>
-            <a:endParaRPr lang="en-US" sz="2600" spc="-65" dirty="0">
-              <a:solidFill>
-                <a:srgbClr val="FFFFFF"/>
-              </a:solidFill>
-              <a:latin typeface="Arial" panose="020B0604020202020204"/>
-              <a:cs typeface="Arial" panose="020B0604020202020204"/>
-            </a:endParaRPr>
           </a:p>
           <a:p>
             <a:pPr marL="1562100" lvl="2" indent="-457200">
@@ -5878,7 +5854,7 @@
           <p:nvPr/>
         </p:nvPicPr>
         <p:blipFill rotWithShape="1">
-          <a:blip r:embed="rId1"/>
+          <a:blip r:embed="rId2"/>
           <a:srcRect l="-505" t="55" r="7197" b="-55"/>
           <a:stretch>
             <a:fillRect/>
@@ -6055,13 +6031,6 @@
               </a:rPr>
               <a:t>Vertex Array Object </a:t>
             </a:r>
-            <a:endParaRPr lang="en-US" altLang="zh-CN" sz="2600" spc="-40" dirty="0">
-              <a:solidFill>
-                <a:srgbClr val="FFFFFF"/>
-              </a:solidFill>
-              <a:latin typeface="Arial" panose="020B0604020202020204"/>
-              <a:cs typeface="Arial" panose="020B0604020202020204"/>
-            </a:endParaRPr>
           </a:p>
           <a:p>
             <a:pPr marL="1562100" lvl="2" indent="-457200">
@@ -6085,13 +6054,6 @@
               </a:rPr>
               <a:t>Vertex / Index Buffer Object</a:t>
             </a:r>
-            <a:endParaRPr lang="en-US" altLang="zh-CN" sz="2600" spc="-40" dirty="0">
-              <a:solidFill>
-                <a:srgbClr val="FFFFFF"/>
-              </a:solidFill>
-              <a:latin typeface="Arial" panose="020B0604020202020204"/>
-              <a:cs typeface="Arial" panose="020B0604020202020204"/>
-            </a:endParaRPr>
           </a:p>
           <a:p>
             <a:pPr marL="1104900" lvl="1" indent="-457200">
@@ -6190,6 +6152,155 @@
             </a:r>
             <a:r>
               <a:rPr lang="en-US" sz="3200" b="1" spc="-95" dirty="0">
+                <a:solidFill>
+                  <a:srgbClr val="FFFFFF"/>
+                </a:solidFill>
+                <a:latin typeface="Arial" panose="020B0604020202020204"/>
+                <a:cs typeface="Arial" panose="020B0604020202020204"/>
+              </a:rPr>
+              <a:t>easel</a:t>
+            </a:r>
+          </a:p>
+          <a:p>
+            <a:pPr marL="1562100" lvl="2" indent="-457200">
+              <a:spcBef>
+                <a:spcPts val="1510"/>
+              </a:spcBef>
+              <a:buFont typeface="Arial" panose="020B0604020202020204" pitchFamily="34" charset="0"/>
+              <a:buChar char="•"/>
+              <a:tabLst>
+                <a:tab pos="1202690" algn="l"/>
+                <a:tab pos="1203325" algn="l"/>
+              </a:tabLst>
+            </a:pPr>
+            <a:r>
+              <a:rPr lang="en-US" altLang="zh-CN" sz="2600" spc="-40" dirty="0">
+                <a:solidFill>
+                  <a:srgbClr val="FFFFFF"/>
+                </a:solidFill>
+                <a:latin typeface="Arial" panose="020B0604020202020204"/>
+                <a:cs typeface="Arial" panose="020B0604020202020204"/>
+              </a:rPr>
+              <a:t>Framebuffer Object</a:t>
+            </a:r>
+          </a:p>
+          <a:p>
+            <a:pPr marL="1104900" lvl="1" indent="-457200">
+              <a:lnSpc>
+                <a:spcPct val="100000"/>
+              </a:lnSpc>
+              <a:spcBef>
+                <a:spcPts val="1505"/>
+              </a:spcBef>
+              <a:buFont typeface="Arial" panose="020B0604020202020204" pitchFamily="34" charset="0"/>
+              <a:buChar char="•"/>
+              <a:tabLst>
+                <a:tab pos="1202690" algn="l"/>
+                <a:tab pos="1203325" algn="l"/>
+              </a:tabLst>
+            </a:pPr>
+            <a:r>
+              <a:rPr sz="3200" b="1" spc="-20" dirty="0">
+                <a:solidFill>
+                  <a:srgbClr val="FFFFFF"/>
+                </a:solidFill>
+                <a:latin typeface="Arial" panose="020B0604020202020204"/>
+                <a:cs typeface="Arial" panose="020B0604020202020204"/>
+              </a:rPr>
+              <a:t>Attach</a:t>
+            </a:r>
+            <a:r>
+              <a:rPr sz="3200" b="1" spc="-10" dirty="0">
+                <a:solidFill>
+                  <a:srgbClr val="FFFFFF"/>
+                </a:solidFill>
+                <a:latin typeface="Arial" panose="020B0604020202020204"/>
+                <a:cs typeface="Arial" panose="020B0604020202020204"/>
+              </a:rPr>
+              <a:t> </a:t>
+            </a:r>
+            <a:r>
+              <a:rPr sz="3200" b="1" spc="-105" dirty="0">
+                <a:solidFill>
+                  <a:srgbClr val="FFFFFF"/>
+                </a:solidFill>
+                <a:latin typeface="Arial" panose="020B0604020202020204"/>
+                <a:cs typeface="Arial" panose="020B0604020202020204"/>
+              </a:rPr>
+              <a:t>a</a:t>
+            </a:r>
+            <a:r>
+              <a:rPr sz="3200" b="1" spc="-5" dirty="0">
+                <a:solidFill>
+                  <a:srgbClr val="FFFFFF"/>
+                </a:solidFill>
+                <a:latin typeface="Arial" panose="020B0604020202020204"/>
+                <a:cs typeface="Arial" panose="020B0604020202020204"/>
+              </a:rPr>
+              <a:t> </a:t>
+            </a:r>
+            <a:r>
+              <a:rPr sz="3200" b="1" spc="-65" dirty="0">
+                <a:solidFill>
+                  <a:srgbClr val="FFFFFF"/>
+                </a:solidFill>
+                <a:latin typeface="Arial" panose="020B0604020202020204"/>
+                <a:cs typeface="Arial" panose="020B0604020202020204"/>
+              </a:rPr>
+              <a:t>canvas</a:t>
+            </a:r>
+            <a:r>
+              <a:rPr sz="3200" b="1" spc="-5" dirty="0">
+                <a:solidFill>
+                  <a:srgbClr val="FFFFFF"/>
+                </a:solidFill>
+                <a:latin typeface="Arial" panose="020B0604020202020204"/>
+                <a:cs typeface="Arial" panose="020B0604020202020204"/>
+              </a:rPr>
+              <a:t> </a:t>
+            </a:r>
+            <a:r>
+              <a:rPr sz="3200" b="1" spc="25" dirty="0">
+                <a:solidFill>
+                  <a:srgbClr val="FFFFFF"/>
+                </a:solidFill>
+                <a:latin typeface="Arial" panose="020B0604020202020204"/>
+                <a:cs typeface="Arial" panose="020B0604020202020204"/>
+              </a:rPr>
+              <a:t>to</a:t>
+            </a:r>
+            <a:r>
+              <a:rPr sz="3200" b="1" spc="-10" dirty="0">
+                <a:solidFill>
+                  <a:srgbClr val="FFFFFF"/>
+                </a:solidFill>
+                <a:latin typeface="Arial" panose="020B0604020202020204"/>
+                <a:cs typeface="Arial" panose="020B0604020202020204"/>
+              </a:rPr>
+              <a:t> </a:t>
+            </a:r>
+            <a:r>
+              <a:rPr sz="3200" b="1" spc="-40" dirty="0">
+                <a:solidFill>
+                  <a:srgbClr val="FFFFFF"/>
+                </a:solidFill>
+                <a:latin typeface="Arial" panose="020B0604020202020204"/>
+                <a:cs typeface="Arial" panose="020B0604020202020204"/>
+              </a:rPr>
+              <a:t>the</a:t>
+            </a:r>
+            <a:r>
+              <a:rPr sz="3200" b="1" spc="-5" dirty="0">
+                <a:solidFill>
+                  <a:srgbClr val="FFFFFF"/>
+                </a:solidFill>
+                <a:latin typeface="Arial" panose="020B0604020202020204"/>
+                <a:cs typeface="Arial" panose="020B0604020202020204"/>
+              </a:rPr>
+              <a:t> </a:t>
+            </a:r>
+            <a:r>
+              <a:rPr sz="3200" b="1" spc="-95" dirty="0">
                 <a:solidFill>
                   <a:srgbClr val="FFFFFF"/>
                 </a:solidFill>
@@ -6209,7 +6320,7 @@
           <a:p>
             <a:pPr marL="1562100" lvl="2" indent="-457200">
               <a:spcBef>
-                <a:spcPts val="1510"/>
+                <a:spcPts val="1505"/>
               </a:spcBef>
               <a:buFont typeface="Arial" panose="020B0604020202020204" pitchFamily="34" charset="0"/>
               <a:buChar char="•"/>
@@ -6219,169 +6330,6 @@
               </a:tabLst>
             </a:pPr>
             <a:r>
-              <a:rPr lang="en-US" altLang="zh-CN" sz="2600" spc="-40" dirty="0">
-                <a:solidFill>
-                  <a:srgbClr val="FFFFFF"/>
-                </a:solidFill>
-                <a:latin typeface="Arial" panose="020B0604020202020204"/>
-                <a:cs typeface="Arial" panose="020B0604020202020204"/>
-              </a:rPr>
-              <a:t>Framebuffer Object</a:t>
-            </a:r>
-            <a:endParaRPr lang="en-US" altLang="zh-CN" sz="2600" spc="-40" dirty="0">
-              <a:solidFill>
-                <a:srgbClr val="FFFFFF"/>
-              </a:solidFill>
-              <a:latin typeface="Arial" panose="020B0604020202020204"/>
-              <a:cs typeface="Arial" panose="020B0604020202020204"/>
-            </a:endParaRPr>
-          </a:p>
-          <a:p>
-            <a:pPr marL="1104900" lvl="1" indent="-457200">
-              <a:lnSpc>
-                <a:spcPct val="100000"/>
-              </a:lnSpc>
-              <a:spcBef>
-                <a:spcPts val="1505"/>
-              </a:spcBef>
-              <a:buFont typeface="Arial" panose="020B0604020202020204" pitchFamily="34" charset="0"/>
-              <a:buChar char="•"/>
-              <a:tabLst>
-                <a:tab pos="1202690" algn="l"/>
-                <a:tab pos="1203325" algn="l"/>
-              </a:tabLst>
-            </a:pPr>
-            <a:r>
-              <a:rPr sz="3200" b="1" spc="-20" dirty="0">
-                <a:solidFill>
-                  <a:srgbClr val="FFFFFF"/>
-                </a:solidFill>
-                <a:latin typeface="Arial" panose="020B0604020202020204"/>
-                <a:cs typeface="Arial" panose="020B0604020202020204"/>
-              </a:rPr>
-              <a:t>Attach</a:t>
-            </a:r>
-            <a:r>
-              <a:rPr sz="3200" b="1" spc="-10" dirty="0">
-                <a:solidFill>
-                  <a:srgbClr val="FFFFFF"/>
-                </a:solidFill>
-                <a:latin typeface="Arial" panose="020B0604020202020204"/>
-                <a:cs typeface="Arial" panose="020B0604020202020204"/>
-              </a:rPr>
-              <a:t> </a:t>
-            </a:r>
-            <a:r>
-              <a:rPr sz="3200" b="1" spc="-105" dirty="0">
-                <a:solidFill>
-                  <a:srgbClr val="FFFFFF"/>
-                </a:solidFill>
-                <a:latin typeface="Arial" panose="020B0604020202020204"/>
-                <a:cs typeface="Arial" panose="020B0604020202020204"/>
-              </a:rPr>
-              <a:t>a</a:t>
-            </a:r>
-            <a:r>
-              <a:rPr sz="3200" b="1" spc="-5" dirty="0">
-                <a:solidFill>
-                  <a:srgbClr val="FFFFFF"/>
-                </a:solidFill>
-                <a:latin typeface="Arial" panose="020B0604020202020204"/>
-                <a:cs typeface="Arial" panose="020B0604020202020204"/>
-              </a:rPr>
-              <a:t> </a:t>
-            </a:r>
-            <a:r>
-              <a:rPr sz="3200" b="1" spc="-65" dirty="0">
-                <a:solidFill>
-                  <a:srgbClr val="FFFFFF"/>
-                </a:solidFill>
-                <a:latin typeface="Arial" panose="020B0604020202020204"/>
-                <a:cs typeface="Arial" panose="020B0604020202020204"/>
-              </a:rPr>
-              <a:t>canvas</a:t>
-            </a:r>
-            <a:r>
-              <a:rPr sz="3200" b="1" spc="-5" dirty="0">
-                <a:solidFill>
-                  <a:srgbClr val="FFFFFF"/>
-                </a:solidFill>
-                <a:latin typeface="Arial" panose="020B0604020202020204"/>
-                <a:cs typeface="Arial" panose="020B0604020202020204"/>
-              </a:rPr>
-              <a:t> </a:t>
-            </a:r>
-            <a:r>
-              <a:rPr sz="3200" b="1" spc="25" dirty="0">
-                <a:solidFill>
-                  <a:srgbClr val="FFFFFF"/>
-                </a:solidFill>
-                <a:latin typeface="Arial" panose="020B0604020202020204"/>
-                <a:cs typeface="Arial" panose="020B0604020202020204"/>
-              </a:rPr>
-              <a:t>to</a:t>
-            </a:r>
-            <a:r>
-              <a:rPr sz="3200" b="1" spc="-10" dirty="0">
-                <a:solidFill>
-                  <a:srgbClr val="FFFFFF"/>
-                </a:solidFill>
-                <a:latin typeface="Arial" panose="020B0604020202020204"/>
-                <a:cs typeface="Arial" panose="020B0604020202020204"/>
-              </a:rPr>
-              <a:t> </a:t>
-            </a:r>
-            <a:r>
-              <a:rPr sz="3200" b="1" spc="-40" dirty="0">
-                <a:solidFill>
-                  <a:srgbClr val="FFFFFF"/>
-                </a:solidFill>
-                <a:latin typeface="Arial" panose="020B0604020202020204"/>
-                <a:cs typeface="Arial" panose="020B0604020202020204"/>
-              </a:rPr>
-              <a:t>the</a:t>
-            </a:r>
-            <a:r>
-              <a:rPr sz="3200" b="1" spc="-5" dirty="0">
-                <a:solidFill>
-                  <a:srgbClr val="FFFFFF"/>
-                </a:solidFill>
-                <a:latin typeface="Arial" panose="020B0604020202020204"/>
-                <a:cs typeface="Arial" panose="020B0604020202020204"/>
-              </a:rPr>
-              <a:t> </a:t>
-            </a:r>
-            <a:r>
-              <a:rPr sz="3200" b="1" spc="-95" dirty="0">
-                <a:solidFill>
-                  <a:srgbClr val="FFFFFF"/>
-                </a:solidFill>
-                <a:latin typeface="Arial" panose="020B0604020202020204"/>
-                <a:cs typeface="Arial" panose="020B0604020202020204"/>
-              </a:rPr>
-              <a:t>easel</a:t>
-            </a:r>
-            <a:endParaRPr lang="en-US" sz="3200" b="1" spc="-95" dirty="0">
-              <a:solidFill>
-                <a:srgbClr val="FFFFFF"/>
-              </a:solidFill>
-              <a:latin typeface="Arial" panose="020B0604020202020204"/>
-              <a:cs typeface="Arial" panose="020B0604020202020204"/>
-            </a:endParaRPr>
-          </a:p>
-          <a:p>
-            <a:pPr marL="1562100" lvl="2" indent="-457200">
-              <a:spcBef>
-                <a:spcPts val="1505"/>
-              </a:spcBef>
-              <a:buFont typeface="Arial" panose="020B0604020202020204" pitchFamily="34" charset="0"/>
-              <a:buChar char="•"/>
-              <a:tabLst>
-                <a:tab pos="1202690" algn="l"/>
-                <a:tab pos="1203325" algn="l"/>
-              </a:tabLst>
-            </a:pPr>
-            <a:r>
               <a:rPr lang="en-US" sz="2600" spc="-95" dirty="0">
                 <a:solidFill>
                   <a:srgbClr val="FFFFFF"/>
@@ -6391,13 +6339,6 @@
               </a:rPr>
               <a:t>Texture Object</a:t>
             </a:r>
-            <a:endParaRPr lang="en-US" sz="2600" spc="-95" dirty="0">
-              <a:solidFill>
-                <a:srgbClr val="FFFFFF"/>
-              </a:solidFill>
-              <a:latin typeface="Arial" panose="020B0604020202020204"/>
-              <a:cs typeface="Arial" panose="020B0604020202020204"/>
-            </a:endParaRPr>
           </a:p>
           <a:p>
             <a:pPr marL="1104900" lvl="1" indent="-457200">
@@ -6524,13 +6465,6 @@
               </a:rPr>
               <a:t>ttach a shader</a:t>
             </a:r>
-            <a:endParaRPr lang="en-US" altLang="zh-CN" sz="2600" spc="-65" dirty="0">
-              <a:solidFill>
-                <a:srgbClr val="FFFFFF"/>
-              </a:solidFill>
-              <a:latin typeface="Arial" panose="020B0604020202020204"/>
-              <a:cs typeface="Arial" panose="020B0604020202020204"/>
-            </a:endParaRPr>
           </a:p>
           <a:p>
             <a:pPr marL="1562100" lvl="2" indent="-457200">
@@ -6554,13 +6488,6 @@
               </a:rPr>
               <a:t>Transfer uniform variables to shader</a:t>
             </a:r>
-            <a:endParaRPr lang="en-US" altLang="zh-CN" sz="2600" spc="-65" dirty="0">
-              <a:solidFill>
-                <a:srgbClr val="FFFFFF"/>
-              </a:solidFill>
-              <a:latin typeface="Arial" panose="020B0604020202020204"/>
-              <a:cs typeface="Arial" panose="020B0604020202020204"/>
-            </a:endParaRPr>
           </a:p>
           <a:p>
             <a:pPr marL="1562100" lvl="2" indent="-457200">
@@ -6600,7 +6527,7 @@
           <p:nvPr/>
         </p:nvPicPr>
         <p:blipFill>
-          <a:blip r:embed="rId1"/>
+          <a:blip r:embed="rId2"/>
           <a:stretch>
             <a:fillRect/>
           </a:stretch>
@@ -6736,13 +6663,6 @@
               </a:rPr>
               <a:t>Vertex Array Object</a:t>
             </a:r>
-            <a:endParaRPr lang="en-US" sz="3200" b="1" spc="-35" dirty="0">
-              <a:solidFill>
-                <a:schemeClr val="bg1"/>
-              </a:solidFill>
-              <a:latin typeface="Arial" panose="020B0604020202020204"/>
-              <a:cs typeface="Arial" panose="020B0604020202020204"/>
-            </a:endParaRPr>
           </a:p>
           <a:p>
             <a:pPr marL="939800" marR="30480" lvl="1" indent="-444500">
@@ -6768,13 +6688,6 @@
               </a:rPr>
               <a:t>Vertex usage specification</a:t>
             </a:r>
-            <a:endParaRPr lang="en-US" sz="2600" spc="-40" dirty="0">
-              <a:solidFill>
-                <a:srgbClr val="FFFFFF"/>
-              </a:solidFill>
-              <a:latin typeface="Arial" panose="020B0604020202020204"/>
-              <a:cs typeface="Arial" panose="020B0604020202020204"/>
-            </a:endParaRPr>
           </a:p>
           <a:p>
             <a:pPr marL="939800" marR="30480" lvl="1" indent="-444500">
@@ -6800,13 +6713,6 @@
               </a:rPr>
               <a:t>Attribute pointer</a:t>
             </a:r>
-            <a:endParaRPr lang="en-US" sz="2600" spc="-40" dirty="0">
-              <a:solidFill>
-                <a:srgbClr val="FFFFFF"/>
-              </a:solidFill>
-              <a:latin typeface="Arial" panose="020B0604020202020204"/>
-              <a:cs typeface="Arial" panose="020B0604020202020204"/>
-            </a:endParaRPr>
           </a:p>
           <a:p>
             <a:pPr marL="914400" lvl="1" indent="-444500">
@@ -6873,13 +6779,6 @@
               </a:rPr>
               <a:t>Vertex Buffer Object</a:t>
             </a:r>
-            <a:endParaRPr lang="en-US" sz="3200" b="1" spc="45" dirty="0">
-              <a:solidFill>
-                <a:srgbClr val="FFFFFF"/>
-              </a:solidFill>
-              <a:latin typeface="Arial" panose="020B0604020202020204"/>
-              <a:cs typeface="Arial" panose="020B0604020202020204"/>
-            </a:endParaRPr>
           </a:p>
           <a:p>
             <a:pPr marL="939800" marR="30480" lvl="1" indent="-444500">
@@ -6905,13 +6804,6 @@
               </a:rPr>
               <a:t>Position</a:t>
             </a:r>
-            <a:endParaRPr lang="en-US" sz="2600" spc="-40" dirty="0">
-              <a:solidFill>
-                <a:srgbClr val="FFFFFF"/>
-              </a:solidFill>
-              <a:latin typeface="Arial" panose="020B0604020202020204"/>
-              <a:cs typeface="Arial" panose="020B0604020202020204"/>
-            </a:endParaRPr>
           </a:p>
           <a:p>
             <a:pPr marL="939800" marR="30480" lvl="1" indent="-444500">
@@ -6937,13 +6829,6 @@
               </a:rPr>
               <a:t>Normal</a:t>
             </a:r>
-            <a:endParaRPr lang="en-US" sz="2600" spc="-40" dirty="0">
-              <a:solidFill>
-                <a:srgbClr val="FFFFFF"/>
-              </a:solidFill>
-              <a:latin typeface="Arial" panose="020B0604020202020204"/>
-              <a:cs typeface="Arial" panose="020B0604020202020204"/>
-            </a:endParaRPr>
           </a:p>
           <a:p>
             <a:pPr marL="939800" marR="30480" lvl="1" indent="-444500">
@@ -7040,13 +6925,6 @@
               </a:rPr>
               <a:t>Index Buffer Object</a:t>
             </a:r>
-            <a:endParaRPr lang="en-US" sz="3200" b="1" spc="45" dirty="0">
-              <a:solidFill>
-                <a:srgbClr val="FFFFFF"/>
-              </a:solidFill>
-              <a:latin typeface="Arial" panose="020B0604020202020204"/>
-              <a:cs typeface="Arial" panose="020B0604020202020204"/>
-            </a:endParaRPr>
           </a:p>
           <a:p>
             <a:pPr marL="939800" marR="30480" lvl="1" indent="-444500">
@@ -9529,13 +9407,6 @@
               </a:rPr>
               <a:t>Draw Call</a:t>
             </a:r>
-            <a:endParaRPr lang="en-US" sz="3200" b="1" spc="45" dirty="0">
-              <a:solidFill>
-                <a:srgbClr val="FFFFFF"/>
-              </a:solidFill>
-              <a:latin typeface="Arial" panose="020B0604020202020204"/>
-              <a:cs typeface="Arial" panose="020B0604020202020204"/>
-            </a:endParaRPr>
           </a:p>
           <a:p>
             <a:pPr marL="939800" marR="30480" lvl="1" indent="-444500">
@@ -9571,13 +9442,6 @@
               </a:rPr>
               <a:t>(Instanced)</a:t>
             </a:r>
-            <a:endParaRPr lang="en-US" sz="2600" spc="-40" dirty="0">
-              <a:solidFill>
-                <a:srgbClr val="FFFFFF"/>
-              </a:solidFill>
-              <a:latin typeface="Arial" panose="020B0604020202020204"/>
-              <a:cs typeface="Arial" panose="020B0604020202020204"/>
-            </a:endParaRPr>
           </a:p>
           <a:p>
             <a:pPr marL="939800" marR="30480" lvl="1" indent="-444500">
@@ -9623,13 +9487,6 @@
               </a:rPr>
               <a:t>(Instanced)</a:t>
             </a:r>
-            <a:endParaRPr lang="en-US" altLang="zh-CN" sz="2600" spc="-40" dirty="0">
-              <a:solidFill>
-                <a:srgbClr val="FFFFFF"/>
-              </a:solidFill>
-              <a:latin typeface="Arial" panose="020B0604020202020204"/>
-              <a:cs typeface="Arial" panose="020B0604020202020204"/>
-            </a:endParaRPr>
           </a:p>
           <a:p>
             <a:pPr marL="939800" marR="30480" lvl="1" indent="-444500">
@@ -9669,15 +9526,6 @@
               </a:rPr>
               <a:t>*Indirect</a:t>
             </a:r>
-            <a:endParaRPr lang="en-US" altLang="zh-CN" sz="2600" i="1" spc="-40" dirty="0">
-              <a:solidFill>
-                <a:schemeClr val="bg1">
-                  <a:lumMod val="65000"/>
-                </a:schemeClr>
-              </a:solidFill>
-              <a:latin typeface="Arial" panose="020B0604020202020204"/>
-              <a:cs typeface="Arial" panose="020B0604020202020204"/>
-            </a:endParaRPr>
           </a:p>
           <a:p>
             <a:pPr marL="939800" marR="30480" lvl="1" indent="-444500">
@@ -9736,7 +9584,7 @@
           <p:nvPr/>
         </p:nvPicPr>
         <p:blipFill>
-          <a:blip r:embed="rId1"/>
+          <a:blip r:embed="rId2"/>
           <a:stretch>
             <a:fillRect/>
           </a:stretch>
@@ -10209,13 +10057,6 @@
               </a:rPr>
               <a:t>GLSL Program</a:t>
             </a:r>
-            <a:endParaRPr lang="en-US" sz="3200" b="1" spc="45" dirty="0">
-              <a:solidFill>
-                <a:srgbClr val="FFFFFF"/>
-              </a:solidFill>
-              <a:latin typeface="Arial" panose="020B0604020202020204"/>
-              <a:cs typeface="Arial" panose="020B0604020202020204"/>
-            </a:endParaRPr>
           </a:p>
           <a:p>
             <a:pPr marL="939800" marR="30480" lvl="1" indent="-444500">
@@ -10241,13 +10082,6 @@
               </a:rPr>
               <a:t>Various shader types</a:t>
             </a:r>
-            <a:endParaRPr lang="en-US" sz="2600" spc="-40" dirty="0">
-              <a:solidFill>
-                <a:srgbClr val="FFFFFF"/>
-              </a:solidFill>
-              <a:latin typeface="Arial" panose="020B0604020202020204"/>
-              <a:cs typeface="Arial" panose="020B0604020202020204"/>
-            </a:endParaRPr>
           </a:p>
           <a:p>
             <a:pPr marL="1397000" marR="30480" lvl="2" indent="-444500">
@@ -10273,13 +10107,6 @@
               </a:rPr>
               <a:t>Vertex shader</a:t>
             </a:r>
-            <a:endParaRPr lang="en-US" sz="2600" spc="-40" dirty="0">
-              <a:solidFill>
-                <a:srgbClr val="FFFFFF"/>
-              </a:solidFill>
-              <a:latin typeface="Arial" panose="020B0604020202020204"/>
-              <a:cs typeface="Arial" panose="020B0604020202020204"/>
-            </a:endParaRPr>
           </a:p>
           <a:p>
             <a:pPr marL="1397000" marR="30480" lvl="2" indent="-444500">
@@ -10305,13 +10132,6 @@
               </a:rPr>
               <a:t>Fragment shader</a:t>
             </a:r>
-            <a:endParaRPr lang="en-US" sz="2600" spc="-40" dirty="0">
-              <a:solidFill>
-                <a:srgbClr val="FFFFFF"/>
-              </a:solidFill>
-              <a:latin typeface="Arial" panose="020B0604020202020204"/>
-              <a:cs typeface="Arial" panose="020B0604020202020204"/>
-            </a:endParaRPr>
           </a:p>
           <a:p>
             <a:pPr marL="939800" marR="30480" lvl="1" indent="-444500">
@@ -10337,13 +10157,6 @@
               </a:rPr>
               <a:t>Transfer data to GPU</a:t>
             </a:r>
-            <a:endParaRPr lang="en-US" sz="2600" spc="-40" dirty="0">
-              <a:solidFill>
-                <a:srgbClr val="FFFFFF"/>
-              </a:solidFill>
-              <a:latin typeface="Arial" panose="020B0604020202020204"/>
-              <a:cs typeface="Arial" panose="020B0604020202020204"/>
-            </a:endParaRPr>
           </a:p>
           <a:p>
             <a:pPr marL="1397000" marR="30480" lvl="2" indent="-444500">
@@ -10369,13 +10182,6 @@
               </a:rPr>
               <a:t>Buffer objects</a:t>
             </a:r>
-            <a:endParaRPr lang="en-US" sz="2600" spc="-40" dirty="0">
-              <a:solidFill>
-                <a:srgbClr val="FFFFFF"/>
-              </a:solidFill>
-              <a:latin typeface="Arial" panose="020B0604020202020204"/>
-              <a:cs typeface="Arial" panose="020B0604020202020204"/>
-            </a:endParaRPr>
           </a:p>
           <a:p>
             <a:pPr marL="1397000" marR="30480" lvl="2" indent="-444500">
@@ -10401,13 +10207,6 @@
               </a:rPr>
               <a:t>Uniform variables</a:t>
             </a:r>
-            <a:endParaRPr lang="en-US" sz="2600" spc="-40" dirty="0">
-              <a:solidFill>
-                <a:srgbClr val="FFFFFF"/>
-              </a:solidFill>
-              <a:latin typeface="Arial" panose="020B0604020202020204"/>
-              <a:cs typeface="Arial" panose="020B0604020202020204"/>
-            </a:endParaRPr>
           </a:p>
           <a:p>
             <a:pPr marL="1397000" marR="30480" lvl="2" indent="-444500">
@@ -10603,13 +10402,6 @@
               </a:rPr>
               <a:t>Write the result to a texture</a:t>
             </a:r>
-            <a:endParaRPr lang="en-US" altLang="zh-CN" sz="2600" spc="45" dirty="0">
-              <a:solidFill>
-                <a:srgbClr val="FFFFFF"/>
-              </a:solidFill>
-              <a:latin typeface="Arial" panose="020B0604020202020204"/>
-              <a:cs typeface="Arial" panose="020B0604020202020204"/>
-            </a:endParaRPr>
           </a:p>
           <a:p>
             <a:pPr marL="939800" marR="30480" lvl="1" indent="-444500">
@@ -10635,13 +10427,6 @@
               </a:rPr>
               <a:t>Submit the texture to OS</a:t>
             </a:r>
-            <a:endParaRPr lang="en-US" altLang="zh-CN" sz="2600" spc="45" dirty="0">
-              <a:solidFill>
-                <a:srgbClr val="FFFFFF"/>
-              </a:solidFill>
-              <a:latin typeface="Arial" panose="020B0604020202020204"/>
-              <a:cs typeface="Arial" panose="020B0604020202020204"/>
-            </a:endParaRPr>
           </a:p>
           <a:p>
             <a:pPr marL="939800" marR="30480" lvl="1" indent="-444500">
@@ -10667,13 +10452,6 @@
               </a:rPr>
               <a:t>Compositor compose textures</a:t>
             </a:r>
-            <a:endParaRPr lang="en-US" altLang="zh-CN" sz="2600" spc="45" dirty="0">
-              <a:solidFill>
-                <a:srgbClr val="FFFFFF"/>
-              </a:solidFill>
-              <a:latin typeface="Arial" panose="020B0604020202020204"/>
-              <a:cs typeface="Arial" panose="020B0604020202020204"/>
-            </a:endParaRPr>
           </a:p>
           <a:p>
             <a:pPr marL="939800" marR="30480" lvl="1" indent="-444500">
@@ -10699,13 +10477,6 @@
               </a:rPr>
               <a:t>Write the result to the framebuffer</a:t>
             </a:r>
-            <a:endParaRPr lang="en-US" altLang="zh-CN" sz="2600" spc="45" dirty="0">
-              <a:solidFill>
-                <a:srgbClr val="FFFFFF"/>
-              </a:solidFill>
-              <a:latin typeface="Arial" panose="020B0604020202020204"/>
-              <a:cs typeface="Arial" panose="020B0604020202020204"/>
-            </a:endParaRPr>
           </a:p>
           <a:p>
             <a:pPr marL="939800" marR="30480" lvl="1" indent="-444500">
@@ -10764,7 +10535,7 @@
           <p:nvPr/>
         </p:nvPicPr>
         <p:blipFill>
-          <a:blip r:embed="rId1"/>
+          <a:blip r:embed="rId3"/>
           <a:stretch>
             <a:fillRect/>
           </a:stretch>
@@ -10788,7 +10559,7 @@
           <p:nvPr/>
         </p:nvPicPr>
         <p:blipFill>
-          <a:blip r:embed="rId2"/>
+          <a:blip r:embed="rId4"/>
           <a:stretch>
             <a:fillRect/>
           </a:stretch>
@@ -10847,13 +10618,6 @@
               </a:rPr>
               <a:t>Framebuffer Object</a:t>
             </a:r>
-            <a:endParaRPr lang="en-US" sz="3200" b="1" spc="-35" dirty="0">
-              <a:solidFill>
-                <a:schemeClr val="bg1"/>
-              </a:solidFill>
-              <a:latin typeface="Arial" panose="020B0604020202020204"/>
-              <a:cs typeface="Arial" panose="020B0604020202020204"/>
-            </a:endParaRPr>
           </a:p>
           <a:p>
             <a:pPr marL="939800" marR="30480" lvl="1" indent="-444500">
@@ -10879,13 +10643,6 @@
               </a:rPr>
               <a:t>Color attachment</a:t>
             </a:r>
-            <a:endParaRPr lang="en-US" sz="2600" spc="-40" dirty="0">
-              <a:solidFill>
-                <a:srgbClr val="FFFFFF"/>
-              </a:solidFill>
-              <a:latin typeface="Arial" panose="020B0604020202020204"/>
-              <a:cs typeface="Arial" panose="020B0604020202020204"/>
-            </a:endParaRPr>
           </a:p>
           <a:p>
             <a:pPr marL="939800" marR="30480" lvl="1" indent="-444500">
@@ -10911,13 +10668,6 @@
               </a:rPr>
               <a:t>Depth attachment</a:t>
             </a:r>
-            <a:endParaRPr lang="en-US" sz="2600" spc="-40" dirty="0">
-              <a:solidFill>
-                <a:srgbClr val="FFFFFF"/>
-              </a:solidFill>
-              <a:latin typeface="Arial" panose="020B0604020202020204"/>
-              <a:cs typeface="Arial" panose="020B0604020202020204"/>
-            </a:endParaRPr>
           </a:p>
           <a:p>
             <a:pPr marL="939800" marR="30480" lvl="1" indent="-444500">
@@ -10945,15 +10695,6 @@
               </a:rPr>
               <a:t>Stencil attachment</a:t>
             </a:r>
-            <a:endParaRPr lang="en-US" sz="2600" i="1" spc="-40" dirty="0">
-              <a:solidFill>
-                <a:schemeClr val="bg1">
-                  <a:lumMod val="65000"/>
-                </a:schemeClr>
-              </a:solidFill>
-              <a:latin typeface="Arial" panose="020B0604020202020204"/>
-              <a:cs typeface="Arial" panose="020B0604020202020204"/>
-            </a:endParaRPr>
           </a:p>
         </p:txBody>
       </p:sp>
@@ -11119,13 +10860,6 @@
               </a:rPr>
               <a:t>Setup Process</a:t>
             </a:r>
-            <a:endParaRPr lang="en-US" sz="3200" b="1" spc="45" dirty="0">
-              <a:solidFill>
-                <a:srgbClr val="FFFFFF"/>
-              </a:solidFill>
-              <a:latin typeface="Arial" panose="020B0604020202020204"/>
-              <a:cs typeface="Arial" panose="020B0604020202020204"/>
-            </a:endParaRPr>
           </a:p>
           <a:p>
             <a:pPr marL="939800" marR="30480" lvl="1" indent="-444500">
@@ -11151,13 +10885,6 @@
               </a:rPr>
               <a:t>Setup a window (setup a framebuffer consequently)</a:t>
             </a:r>
-            <a:endParaRPr lang="en-US" sz="2600" spc="-40" dirty="0">
-              <a:solidFill>
-                <a:srgbClr val="FFFFFF"/>
-              </a:solidFill>
-              <a:latin typeface="Arial" panose="020B0604020202020204"/>
-              <a:cs typeface="Arial" panose="020B0604020202020204"/>
-            </a:endParaRPr>
           </a:p>
           <a:p>
             <a:pPr marL="939800" marR="30480" lvl="1" indent="-444500">
@@ -11183,13 +10910,6 @@
               </a:rPr>
               <a:t>Setup VAO / VBO / IBO for models</a:t>
             </a:r>
-            <a:endParaRPr lang="en-US" sz="2600" spc="-40" dirty="0">
-              <a:solidFill>
-                <a:srgbClr val="FFFFFF"/>
-              </a:solidFill>
-              <a:latin typeface="Arial" panose="020B0604020202020204"/>
-              <a:cs typeface="Arial" panose="020B0604020202020204"/>
-            </a:endParaRPr>
           </a:p>
           <a:p>
             <a:pPr marL="939800" marR="30480" lvl="1" indent="-444500">
@@ -11215,13 +10935,6 @@
               </a:rPr>
               <a:t>Setup textures</a:t>
             </a:r>
-            <a:endParaRPr lang="en-US" sz="2600" spc="-40" dirty="0">
-              <a:solidFill>
-                <a:srgbClr val="FFFFFF"/>
-              </a:solidFill>
-              <a:latin typeface="Arial" panose="020B0604020202020204"/>
-              <a:cs typeface="Arial" panose="020B0604020202020204"/>
-            </a:endParaRPr>
           </a:p>
           <a:p>
             <a:pPr marL="939800" marR="30480" lvl="1" indent="-444500">
@@ -11301,13 +11014,6 @@
               </a:rPr>
               <a:t>Handle Input</a:t>
             </a:r>
-            <a:endParaRPr lang="en-US" sz="3200" b="1" spc="45" dirty="0">
-              <a:solidFill>
-                <a:srgbClr val="FFFFFF"/>
-              </a:solidFill>
-              <a:latin typeface="Arial" panose="020B0604020202020204"/>
-              <a:cs typeface="Arial" panose="020B0604020202020204"/>
-            </a:endParaRPr>
           </a:p>
           <a:p>
             <a:pPr marL="939800" marR="30480" lvl="1" indent="-444500">
@@ -11333,13 +11039,6 @@
               </a:rPr>
               <a:t>Response to mouse/keyboard input</a:t>
             </a:r>
-            <a:endParaRPr lang="en-US" sz="2600" spc="-40" dirty="0">
-              <a:solidFill>
-                <a:srgbClr val="FFFFFF"/>
-              </a:solidFill>
-              <a:latin typeface="Arial" panose="020B0604020202020204"/>
-              <a:cs typeface="Arial" panose="020B0604020202020204"/>
-            </a:endParaRPr>
           </a:p>
           <a:p>
             <a:pPr marL="939800" marR="30480" lvl="1" indent="-444500">
@@ -11365,13 +11064,6 @@
               </a:rPr>
               <a:t>Update the corresponding data structure</a:t>
             </a:r>
-            <a:endParaRPr lang="en-US" sz="2600" spc="-40" dirty="0">
-              <a:solidFill>
-                <a:srgbClr val="FFFFFF"/>
-              </a:solidFill>
-              <a:latin typeface="Arial" panose="020B0604020202020204"/>
-              <a:cs typeface="Arial" panose="020B0604020202020204"/>
-            </a:endParaRPr>
           </a:p>
         </p:txBody>
       </p:sp>
@@ -11419,13 +11111,6 @@
               </a:rPr>
               <a:t>Render Process</a:t>
             </a:r>
-            <a:endParaRPr lang="en-US" sz="3200" b="1" spc="45" dirty="0">
-              <a:solidFill>
-                <a:srgbClr val="FFFFFF"/>
-              </a:solidFill>
-              <a:latin typeface="Arial" panose="020B0604020202020204"/>
-              <a:cs typeface="Arial" panose="020B0604020202020204"/>
-            </a:endParaRPr>
           </a:p>
           <a:p>
             <a:pPr marL="939800" marR="30480" lvl="1" indent="-444500">
@@ -11451,13 +11136,6 @@
               </a:rPr>
               <a:t>Use a framebuffer</a:t>
             </a:r>
-            <a:endParaRPr lang="en-US" sz="2600" spc="-40" dirty="0">
-              <a:solidFill>
-                <a:srgbClr val="FFFFFF"/>
-              </a:solidFill>
-              <a:latin typeface="Arial" panose="020B0604020202020204"/>
-              <a:cs typeface="Arial" panose="020B0604020202020204"/>
-            </a:endParaRPr>
           </a:p>
           <a:p>
             <a:pPr marL="939800" marR="30480" lvl="1" indent="-444500">
@@ -11483,13 +11161,6 @@
               </a:rPr>
               <a:t>For each render pass</a:t>
             </a:r>
-            <a:endParaRPr lang="en-US" sz="2600" spc="-40" dirty="0">
-              <a:solidFill>
-                <a:srgbClr val="FFFFFF"/>
-              </a:solidFill>
-              <a:latin typeface="Arial" panose="020B0604020202020204"/>
-              <a:cs typeface="Arial" panose="020B0604020202020204"/>
-            </a:endParaRPr>
           </a:p>
           <a:p>
             <a:pPr marL="1397000" marR="30480" lvl="2" indent="-444500">
@@ -11515,13 +11186,6 @@
               </a:rPr>
               <a:t>Use a shader</a:t>
             </a:r>
-            <a:endParaRPr lang="en-US" sz="2600" spc="-40" dirty="0">
-              <a:solidFill>
-                <a:srgbClr val="FFFFFF"/>
-              </a:solidFill>
-              <a:latin typeface="Arial" panose="020B0604020202020204"/>
-              <a:cs typeface="Arial" panose="020B0604020202020204"/>
-            </a:endParaRPr>
           </a:p>
           <a:p>
             <a:pPr marL="1397000" marR="30480" lvl="2" indent="-444500">
@@ -11547,13 +11211,6 @@
               </a:rPr>
               <a:t>Enable a VAO</a:t>
             </a:r>
-            <a:endParaRPr lang="en-US" sz="2600" spc="-40" dirty="0">
-              <a:solidFill>
-                <a:srgbClr val="FFFFFF"/>
-              </a:solidFill>
-              <a:latin typeface="Arial" panose="020B0604020202020204"/>
-              <a:cs typeface="Arial" panose="020B0604020202020204"/>
-            </a:endParaRPr>
           </a:p>
           <a:p>
             <a:pPr marL="1397000" marR="30480" lvl="2" indent="-444500">
@@ -11579,13 +11236,6 @@
               </a:rPr>
               <a:t>Invoke a draw call</a:t>
             </a:r>
-            <a:endParaRPr lang="en-US" sz="2600" spc="-40" dirty="0">
-              <a:solidFill>
-                <a:srgbClr val="FFFFFF"/>
-              </a:solidFill>
-              <a:latin typeface="Arial" panose="020B0604020202020204"/>
-              <a:cs typeface="Arial" panose="020B0604020202020204"/>
-            </a:endParaRPr>
           </a:p>
         </p:txBody>
       </p:sp>
@@ -11875,6 +11525,8 @@
       </a:bgFillStyleLst>
     </a:fmtScheme>
   </a:themeElements>
+  <a:objectDefaults/>
+  <a:extraClrSchemeLst/>
   <a:extLst>
     <a:ext uri="{05A4C25C-085E-4340-85A3-A5531E510DB2}">
       <thm15:themeFamily xmlns:thm15="http://schemas.microsoft.com/office/thememl/2012/main" name="Office Theme" id="{62F939B6-93AF-4DB8-9C6B-D6C7DFDC589F}" vid="{4A3C46E8-61CC-4603-A589-7422A47A8E4A}"/>
@@ -12134,6 +11786,8 @@
       </a:bgFillStyleLst>
     </a:fmtScheme>
   </a:themeElements>
+  <a:objectDefaults/>
+  <a:extraClrSchemeLst/>
   <a:extLst>
     <a:ext uri="{05A4C25C-085E-4340-85A3-A5531E510DB2}">
       <thm15:themeFamily xmlns:thm15="http://schemas.microsoft.com/office/thememl/2012/main" name="Office Theme" id="{62F939B6-93AF-4DB8-9C6B-D6C7DFDC589F}" vid="{4A3C46E8-61CC-4603-A589-7422A47A8E4A}"/>
